--- a/ppt 16-9/1353.愿主用口与我亲.pptx
+++ b/ppt 16-9/1353.愿主用口与我亲.pptx
@@ -129,7 +129,7 @@
           <p:cNvPr id="2" name="标题 1">
             <a:extLst>
               <a:ext uri="{FF2B5EF4-FFF2-40B4-BE49-F238E27FC236}">
-                <a16:creationId xmlns:a16="http://schemas.microsoft.com/office/drawing/2014/main" id="{06DFC2F3-6822-51BB-FBED-A61C7552EBB2}"/>
+                <a16:creationId xmlns:a16="http://schemas.microsoft.com/office/drawing/2014/main" id="{A802E71D-82FD-BB3A-70F3-808701733B9A}"/>
               </a:ext>
             </a:extLst>
           </p:cNvPr>
@@ -166,7 +166,7 @@
           <p:cNvPr id="3" name="副标题 2">
             <a:extLst>
               <a:ext uri="{FF2B5EF4-FFF2-40B4-BE49-F238E27FC236}">
-                <a16:creationId xmlns:a16="http://schemas.microsoft.com/office/drawing/2014/main" id="{A2E24743-FE70-E2CC-B85E-BB098ACC2C9F}"/>
+                <a16:creationId xmlns:a16="http://schemas.microsoft.com/office/drawing/2014/main" id="{13CF7AE6-75CA-7F18-D500-14746623C3AE}"/>
               </a:ext>
             </a:extLst>
           </p:cNvPr>
@@ -236,7 +236,7 @@
           <p:cNvPr id="4" name="日期占位符 3">
             <a:extLst>
               <a:ext uri="{FF2B5EF4-FFF2-40B4-BE49-F238E27FC236}">
-                <a16:creationId xmlns:a16="http://schemas.microsoft.com/office/drawing/2014/main" id="{C34BF0AE-0969-BE19-7656-DA549F49912D}"/>
+                <a16:creationId xmlns:a16="http://schemas.microsoft.com/office/drawing/2014/main" id="{EC299891-5FE4-F10B-9DA9-EBF1C16820D6}"/>
               </a:ext>
             </a:extLst>
           </p:cNvPr>
@@ -252,7 +252,7 @@
           <a:bodyPr/>
           <a:lstStyle/>
           <a:p>
-            <a:fld id="{AB7FDC63-4B3E-46D9-8B64-23AD550770E6}" type="datetimeFigureOut">
+            <a:fld id="{AB34BB14-A9EB-42E7-89CF-EFB35C96FE90}" type="datetimeFigureOut">
               <a:rPr lang="zh-CN" altLang="en-US" smtClean="0"/>
               <a:t>2024/3/10</a:t>
             </a:fld>
@@ -265,7 +265,7 @@
           <p:cNvPr id="5" name="页脚占位符 4">
             <a:extLst>
               <a:ext uri="{FF2B5EF4-FFF2-40B4-BE49-F238E27FC236}">
-                <a16:creationId xmlns:a16="http://schemas.microsoft.com/office/drawing/2014/main" id="{FF8CE345-A7E6-69C1-669B-2F185F4E17C2}"/>
+                <a16:creationId xmlns:a16="http://schemas.microsoft.com/office/drawing/2014/main" id="{E77EC9F9-CCB2-8467-5654-9B10E1D3B286}"/>
               </a:ext>
             </a:extLst>
           </p:cNvPr>
@@ -290,7 +290,7 @@
           <p:cNvPr id="6" name="灯片编号占位符 5">
             <a:extLst>
               <a:ext uri="{FF2B5EF4-FFF2-40B4-BE49-F238E27FC236}">
-                <a16:creationId xmlns:a16="http://schemas.microsoft.com/office/drawing/2014/main" id="{D4D57711-93D7-7C20-A391-D194AA1806BF}"/>
+                <a16:creationId xmlns:a16="http://schemas.microsoft.com/office/drawing/2014/main" id="{4053EB1C-7EB4-D8A1-3FF3-A0F052315F14}"/>
               </a:ext>
             </a:extLst>
           </p:cNvPr>
@@ -306,7 +306,7 @@
           <a:bodyPr/>
           <a:lstStyle/>
           <a:p>
-            <a:fld id="{DF081105-9890-49C7-98CB-4BA131AAB258}" type="slidenum">
+            <a:fld id="{A0F6053C-DC3B-4637-A826-172BFA3ABFF7}" type="slidenum">
               <a:rPr lang="zh-CN" altLang="en-US" smtClean="0"/>
               <a:t>‹#›</a:t>
             </a:fld>
@@ -317,7 +317,7 @@
     </p:spTree>
     <p:extLst>
       <p:ext uri="{BB962C8B-B14F-4D97-AF65-F5344CB8AC3E}">
-        <p14:creationId xmlns:p14="http://schemas.microsoft.com/office/powerpoint/2010/main" val="2669510954"/>
+        <p14:creationId xmlns:p14="http://schemas.microsoft.com/office/powerpoint/2010/main" val="2758402112"/>
       </p:ext>
     </p:extLst>
   </p:cSld>
@@ -349,7 +349,7 @@
           <p:cNvPr id="2" name="标题 1">
             <a:extLst>
               <a:ext uri="{FF2B5EF4-FFF2-40B4-BE49-F238E27FC236}">
-                <a16:creationId xmlns:a16="http://schemas.microsoft.com/office/drawing/2014/main" id="{6EF27618-BC8C-F167-CA07-A67931CB831F}"/>
+                <a16:creationId xmlns:a16="http://schemas.microsoft.com/office/drawing/2014/main" id="{53E9FD08-9FEB-18B9-4A2C-FF48795D5DE1}"/>
               </a:ext>
             </a:extLst>
           </p:cNvPr>
@@ -377,7 +377,7 @@
           <p:cNvPr id="3" name="竖排文字占位符 2">
             <a:extLst>
               <a:ext uri="{FF2B5EF4-FFF2-40B4-BE49-F238E27FC236}">
-                <a16:creationId xmlns:a16="http://schemas.microsoft.com/office/drawing/2014/main" id="{9404B62A-A126-1A0E-CD81-50F4D228EC3C}"/>
+                <a16:creationId xmlns:a16="http://schemas.microsoft.com/office/drawing/2014/main" id="{C183A741-071E-AFDF-6CB6-3BBDE7E209A1}"/>
               </a:ext>
             </a:extLst>
           </p:cNvPr>
@@ -434,7 +434,7 @@
           <p:cNvPr id="4" name="日期占位符 3">
             <a:extLst>
               <a:ext uri="{FF2B5EF4-FFF2-40B4-BE49-F238E27FC236}">
-                <a16:creationId xmlns:a16="http://schemas.microsoft.com/office/drawing/2014/main" id="{4CFE03D4-062B-EFF6-14D7-F3FCECD511D9}"/>
+                <a16:creationId xmlns:a16="http://schemas.microsoft.com/office/drawing/2014/main" id="{324B28D8-42A9-70CB-A9A9-380A125AEF8A}"/>
               </a:ext>
             </a:extLst>
           </p:cNvPr>
@@ -450,7 +450,7 @@
           <a:bodyPr/>
           <a:lstStyle/>
           <a:p>
-            <a:fld id="{AB7FDC63-4B3E-46D9-8B64-23AD550770E6}" type="datetimeFigureOut">
+            <a:fld id="{AB34BB14-A9EB-42E7-89CF-EFB35C96FE90}" type="datetimeFigureOut">
               <a:rPr lang="zh-CN" altLang="en-US" smtClean="0"/>
               <a:t>2024/3/10</a:t>
             </a:fld>
@@ -463,7 +463,7 @@
           <p:cNvPr id="5" name="页脚占位符 4">
             <a:extLst>
               <a:ext uri="{FF2B5EF4-FFF2-40B4-BE49-F238E27FC236}">
-                <a16:creationId xmlns:a16="http://schemas.microsoft.com/office/drawing/2014/main" id="{2211ECFB-B22C-D26E-006B-7AFA8FA94987}"/>
+                <a16:creationId xmlns:a16="http://schemas.microsoft.com/office/drawing/2014/main" id="{B082A752-E1AB-4C68-4C5F-01B600054712}"/>
               </a:ext>
             </a:extLst>
           </p:cNvPr>
@@ -488,7 +488,7 @@
           <p:cNvPr id="6" name="灯片编号占位符 5">
             <a:extLst>
               <a:ext uri="{FF2B5EF4-FFF2-40B4-BE49-F238E27FC236}">
-                <a16:creationId xmlns:a16="http://schemas.microsoft.com/office/drawing/2014/main" id="{04E66787-E9AE-4C9C-CD32-8F2B07BF5C7F}"/>
+                <a16:creationId xmlns:a16="http://schemas.microsoft.com/office/drawing/2014/main" id="{DEB5FB14-C879-E6F7-C3F8-746E79CDD137}"/>
               </a:ext>
             </a:extLst>
           </p:cNvPr>
@@ -504,7 +504,7 @@
           <a:bodyPr/>
           <a:lstStyle/>
           <a:p>
-            <a:fld id="{DF081105-9890-49C7-98CB-4BA131AAB258}" type="slidenum">
+            <a:fld id="{A0F6053C-DC3B-4637-A826-172BFA3ABFF7}" type="slidenum">
               <a:rPr lang="zh-CN" altLang="en-US" smtClean="0"/>
               <a:t>‹#›</a:t>
             </a:fld>
@@ -515,7 +515,7 @@
     </p:spTree>
     <p:extLst>
       <p:ext uri="{BB962C8B-B14F-4D97-AF65-F5344CB8AC3E}">
-        <p14:creationId xmlns:p14="http://schemas.microsoft.com/office/powerpoint/2010/main" val="1459155599"/>
+        <p14:creationId xmlns:p14="http://schemas.microsoft.com/office/powerpoint/2010/main" val="2973136215"/>
       </p:ext>
     </p:extLst>
   </p:cSld>
@@ -547,7 +547,7 @@
           <p:cNvPr id="2" name="竖排标题 1">
             <a:extLst>
               <a:ext uri="{FF2B5EF4-FFF2-40B4-BE49-F238E27FC236}">
-                <a16:creationId xmlns:a16="http://schemas.microsoft.com/office/drawing/2014/main" id="{C3FE8C82-AB7A-7191-DE0D-C024795BB209}"/>
+                <a16:creationId xmlns:a16="http://schemas.microsoft.com/office/drawing/2014/main" id="{EE17C271-12CB-5EB2-797F-480B24DF9974}"/>
               </a:ext>
             </a:extLst>
           </p:cNvPr>
@@ -580,7 +580,7 @@
           <p:cNvPr id="3" name="竖排文字占位符 2">
             <a:extLst>
               <a:ext uri="{FF2B5EF4-FFF2-40B4-BE49-F238E27FC236}">
-                <a16:creationId xmlns:a16="http://schemas.microsoft.com/office/drawing/2014/main" id="{0B79A3C7-C4D1-74C4-8799-5566FD6A8FEF}"/>
+                <a16:creationId xmlns:a16="http://schemas.microsoft.com/office/drawing/2014/main" id="{8E47BF9A-6F4C-80D7-8A14-3B80ED096435}"/>
               </a:ext>
             </a:extLst>
           </p:cNvPr>
@@ -642,7 +642,7 @@
           <p:cNvPr id="4" name="日期占位符 3">
             <a:extLst>
               <a:ext uri="{FF2B5EF4-FFF2-40B4-BE49-F238E27FC236}">
-                <a16:creationId xmlns:a16="http://schemas.microsoft.com/office/drawing/2014/main" id="{E8465232-E4D4-7130-BA32-99B89A24E7EC}"/>
+                <a16:creationId xmlns:a16="http://schemas.microsoft.com/office/drawing/2014/main" id="{C8B9A2B5-7FC3-7051-BB0D-553694CD30DE}"/>
               </a:ext>
             </a:extLst>
           </p:cNvPr>
@@ -658,7 +658,7 @@
           <a:bodyPr/>
           <a:lstStyle/>
           <a:p>
-            <a:fld id="{AB7FDC63-4B3E-46D9-8B64-23AD550770E6}" type="datetimeFigureOut">
+            <a:fld id="{AB34BB14-A9EB-42E7-89CF-EFB35C96FE90}" type="datetimeFigureOut">
               <a:rPr lang="zh-CN" altLang="en-US" smtClean="0"/>
               <a:t>2024/3/10</a:t>
             </a:fld>
@@ -671,7 +671,7 @@
           <p:cNvPr id="5" name="页脚占位符 4">
             <a:extLst>
               <a:ext uri="{FF2B5EF4-FFF2-40B4-BE49-F238E27FC236}">
-                <a16:creationId xmlns:a16="http://schemas.microsoft.com/office/drawing/2014/main" id="{BD7F7046-B61B-059F-C196-79F8537F07A4}"/>
+                <a16:creationId xmlns:a16="http://schemas.microsoft.com/office/drawing/2014/main" id="{52AF4EC0-C136-31F5-B154-1EC239A342BC}"/>
               </a:ext>
             </a:extLst>
           </p:cNvPr>
@@ -696,7 +696,7 @@
           <p:cNvPr id="6" name="灯片编号占位符 5">
             <a:extLst>
               <a:ext uri="{FF2B5EF4-FFF2-40B4-BE49-F238E27FC236}">
-                <a16:creationId xmlns:a16="http://schemas.microsoft.com/office/drawing/2014/main" id="{46BE41FE-303D-EB97-D7E0-E9EF05F9CF3C}"/>
+                <a16:creationId xmlns:a16="http://schemas.microsoft.com/office/drawing/2014/main" id="{A9592569-FE37-8376-F728-991FC85B0FEC}"/>
               </a:ext>
             </a:extLst>
           </p:cNvPr>
@@ -712,7 +712,7 @@
           <a:bodyPr/>
           <a:lstStyle/>
           <a:p>
-            <a:fld id="{DF081105-9890-49C7-98CB-4BA131AAB258}" type="slidenum">
+            <a:fld id="{A0F6053C-DC3B-4637-A826-172BFA3ABFF7}" type="slidenum">
               <a:rPr lang="zh-CN" altLang="en-US" smtClean="0"/>
               <a:t>‹#›</a:t>
             </a:fld>
@@ -723,7 +723,7 @@
     </p:spTree>
     <p:extLst>
       <p:ext uri="{BB962C8B-B14F-4D97-AF65-F5344CB8AC3E}">
-        <p14:creationId xmlns:p14="http://schemas.microsoft.com/office/powerpoint/2010/main" val="351434122"/>
+        <p14:creationId xmlns:p14="http://schemas.microsoft.com/office/powerpoint/2010/main" val="2293412829"/>
       </p:ext>
     </p:extLst>
   </p:cSld>
@@ -755,7 +755,7 @@
           <p:cNvPr id="2" name="标题 1">
             <a:extLst>
               <a:ext uri="{FF2B5EF4-FFF2-40B4-BE49-F238E27FC236}">
-                <a16:creationId xmlns:a16="http://schemas.microsoft.com/office/drawing/2014/main" id="{A74232C2-08D2-5248-531E-22CA9B386C2E}"/>
+                <a16:creationId xmlns:a16="http://schemas.microsoft.com/office/drawing/2014/main" id="{08F1B3B9-3DF7-E1AE-A905-623DB7217CB8}"/>
               </a:ext>
             </a:extLst>
           </p:cNvPr>
@@ -783,7 +783,7 @@
           <p:cNvPr id="3" name="内容占位符 2">
             <a:extLst>
               <a:ext uri="{FF2B5EF4-FFF2-40B4-BE49-F238E27FC236}">
-                <a16:creationId xmlns:a16="http://schemas.microsoft.com/office/drawing/2014/main" id="{17A68D2B-793C-6D50-167E-6C606B3D012C}"/>
+                <a16:creationId xmlns:a16="http://schemas.microsoft.com/office/drawing/2014/main" id="{4B45279F-BF64-50EE-42B6-CDABD581A4E3}"/>
               </a:ext>
             </a:extLst>
           </p:cNvPr>
@@ -840,7 +840,7 @@
           <p:cNvPr id="4" name="日期占位符 3">
             <a:extLst>
               <a:ext uri="{FF2B5EF4-FFF2-40B4-BE49-F238E27FC236}">
-                <a16:creationId xmlns:a16="http://schemas.microsoft.com/office/drawing/2014/main" id="{A074D006-AE6A-BE91-AE9B-9C808F6682F2}"/>
+                <a16:creationId xmlns:a16="http://schemas.microsoft.com/office/drawing/2014/main" id="{8C8BFE39-5FF2-EC61-A612-FF070BAAC8CC}"/>
               </a:ext>
             </a:extLst>
           </p:cNvPr>
@@ -856,7 +856,7 @@
           <a:bodyPr/>
           <a:lstStyle/>
           <a:p>
-            <a:fld id="{AB7FDC63-4B3E-46D9-8B64-23AD550770E6}" type="datetimeFigureOut">
+            <a:fld id="{AB34BB14-A9EB-42E7-89CF-EFB35C96FE90}" type="datetimeFigureOut">
               <a:rPr lang="zh-CN" altLang="en-US" smtClean="0"/>
               <a:t>2024/3/10</a:t>
             </a:fld>
@@ -869,7 +869,7 @@
           <p:cNvPr id="5" name="页脚占位符 4">
             <a:extLst>
               <a:ext uri="{FF2B5EF4-FFF2-40B4-BE49-F238E27FC236}">
-                <a16:creationId xmlns:a16="http://schemas.microsoft.com/office/drawing/2014/main" id="{D9FB88D1-7A99-FC26-EEFA-331407944E27}"/>
+                <a16:creationId xmlns:a16="http://schemas.microsoft.com/office/drawing/2014/main" id="{45760818-84F3-9F8F-F176-1359D26D167F}"/>
               </a:ext>
             </a:extLst>
           </p:cNvPr>
@@ -894,7 +894,7 @@
           <p:cNvPr id="6" name="灯片编号占位符 5">
             <a:extLst>
               <a:ext uri="{FF2B5EF4-FFF2-40B4-BE49-F238E27FC236}">
-                <a16:creationId xmlns:a16="http://schemas.microsoft.com/office/drawing/2014/main" id="{72F829F6-C7D2-EE69-DD2C-55C297FE68B9}"/>
+                <a16:creationId xmlns:a16="http://schemas.microsoft.com/office/drawing/2014/main" id="{91FD12E7-80C1-7384-3393-0A9CD58A58F2}"/>
               </a:ext>
             </a:extLst>
           </p:cNvPr>
@@ -910,7 +910,7 @@
           <a:bodyPr/>
           <a:lstStyle/>
           <a:p>
-            <a:fld id="{DF081105-9890-49C7-98CB-4BA131AAB258}" type="slidenum">
+            <a:fld id="{A0F6053C-DC3B-4637-A826-172BFA3ABFF7}" type="slidenum">
               <a:rPr lang="zh-CN" altLang="en-US" smtClean="0"/>
               <a:t>‹#›</a:t>
             </a:fld>
@@ -921,7 +921,7 @@
     </p:spTree>
     <p:extLst>
       <p:ext uri="{BB962C8B-B14F-4D97-AF65-F5344CB8AC3E}">
-        <p14:creationId xmlns:p14="http://schemas.microsoft.com/office/powerpoint/2010/main" val="4212552817"/>
+        <p14:creationId xmlns:p14="http://schemas.microsoft.com/office/powerpoint/2010/main" val="1275476309"/>
       </p:ext>
     </p:extLst>
   </p:cSld>
@@ -953,7 +953,7 @@
           <p:cNvPr id="2" name="标题 1">
             <a:extLst>
               <a:ext uri="{FF2B5EF4-FFF2-40B4-BE49-F238E27FC236}">
-                <a16:creationId xmlns:a16="http://schemas.microsoft.com/office/drawing/2014/main" id="{74F1860E-09E5-1726-3F4D-8543B529F61F}"/>
+                <a16:creationId xmlns:a16="http://schemas.microsoft.com/office/drawing/2014/main" id="{0AC997CC-B67F-A47F-2FBB-E6017983BF8A}"/>
               </a:ext>
             </a:extLst>
           </p:cNvPr>
@@ -990,7 +990,7 @@
           <p:cNvPr id="3" name="文本占位符 2">
             <a:extLst>
               <a:ext uri="{FF2B5EF4-FFF2-40B4-BE49-F238E27FC236}">
-                <a16:creationId xmlns:a16="http://schemas.microsoft.com/office/drawing/2014/main" id="{13453470-AB6E-7051-CBC3-F6A3A4496F28}"/>
+                <a16:creationId xmlns:a16="http://schemas.microsoft.com/office/drawing/2014/main" id="{9B02F683-C039-31E0-D2B3-2E721CE489C6}"/>
               </a:ext>
             </a:extLst>
           </p:cNvPr>
@@ -1115,7 +1115,7 @@
           <p:cNvPr id="4" name="日期占位符 3">
             <a:extLst>
               <a:ext uri="{FF2B5EF4-FFF2-40B4-BE49-F238E27FC236}">
-                <a16:creationId xmlns:a16="http://schemas.microsoft.com/office/drawing/2014/main" id="{8F66AC63-014E-ECB7-768D-BFC47E313E4F}"/>
+                <a16:creationId xmlns:a16="http://schemas.microsoft.com/office/drawing/2014/main" id="{165B7033-47DD-8FCC-743D-B0EA794D7D22}"/>
               </a:ext>
             </a:extLst>
           </p:cNvPr>
@@ -1131,7 +1131,7 @@
           <a:bodyPr/>
           <a:lstStyle/>
           <a:p>
-            <a:fld id="{AB7FDC63-4B3E-46D9-8B64-23AD550770E6}" type="datetimeFigureOut">
+            <a:fld id="{AB34BB14-A9EB-42E7-89CF-EFB35C96FE90}" type="datetimeFigureOut">
               <a:rPr lang="zh-CN" altLang="en-US" smtClean="0"/>
               <a:t>2024/3/10</a:t>
             </a:fld>
@@ -1144,7 +1144,7 @@
           <p:cNvPr id="5" name="页脚占位符 4">
             <a:extLst>
               <a:ext uri="{FF2B5EF4-FFF2-40B4-BE49-F238E27FC236}">
-                <a16:creationId xmlns:a16="http://schemas.microsoft.com/office/drawing/2014/main" id="{877D21C7-F1D8-9B0B-39CB-1F0587634049}"/>
+                <a16:creationId xmlns:a16="http://schemas.microsoft.com/office/drawing/2014/main" id="{31582950-507D-B311-B29D-F9BB6E4EF20B}"/>
               </a:ext>
             </a:extLst>
           </p:cNvPr>
@@ -1169,7 +1169,7 @@
           <p:cNvPr id="6" name="灯片编号占位符 5">
             <a:extLst>
               <a:ext uri="{FF2B5EF4-FFF2-40B4-BE49-F238E27FC236}">
-                <a16:creationId xmlns:a16="http://schemas.microsoft.com/office/drawing/2014/main" id="{1A499CEB-D4D5-6AFE-3B6D-23FA1A0182EB}"/>
+                <a16:creationId xmlns:a16="http://schemas.microsoft.com/office/drawing/2014/main" id="{E144E61A-14CE-897E-5398-D1C6990D1688}"/>
               </a:ext>
             </a:extLst>
           </p:cNvPr>
@@ -1185,7 +1185,7 @@
           <a:bodyPr/>
           <a:lstStyle/>
           <a:p>
-            <a:fld id="{DF081105-9890-49C7-98CB-4BA131AAB258}" type="slidenum">
+            <a:fld id="{A0F6053C-DC3B-4637-A826-172BFA3ABFF7}" type="slidenum">
               <a:rPr lang="zh-CN" altLang="en-US" smtClean="0"/>
               <a:t>‹#›</a:t>
             </a:fld>
@@ -1196,7 +1196,7 @@
     </p:spTree>
     <p:extLst>
       <p:ext uri="{BB962C8B-B14F-4D97-AF65-F5344CB8AC3E}">
-        <p14:creationId xmlns:p14="http://schemas.microsoft.com/office/powerpoint/2010/main" val="3205004847"/>
+        <p14:creationId xmlns:p14="http://schemas.microsoft.com/office/powerpoint/2010/main" val="2728762921"/>
       </p:ext>
     </p:extLst>
   </p:cSld>
@@ -1228,7 +1228,7 @@
           <p:cNvPr id="2" name="标题 1">
             <a:extLst>
               <a:ext uri="{FF2B5EF4-FFF2-40B4-BE49-F238E27FC236}">
-                <a16:creationId xmlns:a16="http://schemas.microsoft.com/office/drawing/2014/main" id="{5DA9FDC0-F903-D5B0-BC10-329BBE5F169B}"/>
+                <a16:creationId xmlns:a16="http://schemas.microsoft.com/office/drawing/2014/main" id="{67324CD1-EFDA-4999-8F21-D6D4CDC7443D}"/>
               </a:ext>
             </a:extLst>
           </p:cNvPr>
@@ -1256,7 +1256,7 @@
           <p:cNvPr id="3" name="内容占位符 2">
             <a:extLst>
               <a:ext uri="{FF2B5EF4-FFF2-40B4-BE49-F238E27FC236}">
-                <a16:creationId xmlns:a16="http://schemas.microsoft.com/office/drawing/2014/main" id="{9FAD1110-AE68-9EC2-24C2-9D8F7FCB9B81}"/>
+                <a16:creationId xmlns:a16="http://schemas.microsoft.com/office/drawing/2014/main" id="{8739774A-2D68-CD91-BC25-F9FB33A635F5}"/>
               </a:ext>
             </a:extLst>
           </p:cNvPr>
@@ -1318,7 +1318,7 @@
           <p:cNvPr id="4" name="内容占位符 3">
             <a:extLst>
               <a:ext uri="{FF2B5EF4-FFF2-40B4-BE49-F238E27FC236}">
-                <a16:creationId xmlns:a16="http://schemas.microsoft.com/office/drawing/2014/main" id="{F3202F52-9087-391E-1936-06F5E9E118A5}"/>
+                <a16:creationId xmlns:a16="http://schemas.microsoft.com/office/drawing/2014/main" id="{E12677F9-DA43-55BD-61BF-4208C5EA0CFA}"/>
               </a:ext>
             </a:extLst>
           </p:cNvPr>
@@ -1380,7 +1380,7 @@
           <p:cNvPr id="5" name="日期占位符 4">
             <a:extLst>
               <a:ext uri="{FF2B5EF4-FFF2-40B4-BE49-F238E27FC236}">
-                <a16:creationId xmlns:a16="http://schemas.microsoft.com/office/drawing/2014/main" id="{8BF18769-DBE3-7083-6BE5-5BBCBA20F4E7}"/>
+                <a16:creationId xmlns:a16="http://schemas.microsoft.com/office/drawing/2014/main" id="{F8CC0F38-0E38-235B-93AE-D652E386AC38}"/>
               </a:ext>
             </a:extLst>
           </p:cNvPr>
@@ -1396,7 +1396,7 @@
           <a:bodyPr/>
           <a:lstStyle/>
           <a:p>
-            <a:fld id="{AB7FDC63-4B3E-46D9-8B64-23AD550770E6}" type="datetimeFigureOut">
+            <a:fld id="{AB34BB14-A9EB-42E7-89CF-EFB35C96FE90}" type="datetimeFigureOut">
               <a:rPr lang="zh-CN" altLang="en-US" smtClean="0"/>
               <a:t>2024/3/10</a:t>
             </a:fld>
@@ -1409,7 +1409,7 @@
           <p:cNvPr id="6" name="页脚占位符 5">
             <a:extLst>
               <a:ext uri="{FF2B5EF4-FFF2-40B4-BE49-F238E27FC236}">
-                <a16:creationId xmlns:a16="http://schemas.microsoft.com/office/drawing/2014/main" id="{5AEC9FC1-8F05-F93C-D7D7-98AA2D359EAE}"/>
+                <a16:creationId xmlns:a16="http://schemas.microsoft.com/office/drawing/2014/main" id="{B31AEA0C-B215-A852-7DF6-38B158876924}"/>
               </a:ext>
             </a:extLst>
           </p:cNvPr>
@@ -1434,7 +1434,7 @@
           <p:cNvPr id="7" name="灯片编号占位符 6">
             <a:extLst>
               <a:ext uri="{FF2B5EF4-FFF2-40B4-BE49-F238E27FC236}">
-                <a16:creationId xmlns:a16="http://schemas.microsoft.com/office/drawing/2014/main" id="{7A36E1B3-EF10-02B9-E15E-C239AA6B0E3F}"/>
+                <a16:creationId xmlns:a16="http://schemas.microsoft.com/office/drawing/2014/main" id="{7AC87463-06E0-79D8-2A70-003B70E68015}"/>
               </a:ext>
             </a:extLst>
           </p:cNvPr>
@@ -1450,7 +1450,7 @@
           <a:bodyPr/>
           <a:lstStyle/>
           <a:p>
-            <a:fld id="{DF081105-9890-49C7-98CB-4BA131AAB258}" type="slidenum">
+            <a:fld id="{A0F6053C-DC3B-4637-A826-172BFA3ABFF7}" type="slidenum">
               <a:rPr lang="zh-CN" altLang="en-US" smtClean="0"/>
               <a:t>‹#›</a:t>
             </a:fld>
@@ -1461,7 +1461,7 @@
     </p:spTree>
     <p:extLst>
       <p:ext uri="{BB962C8B-B14F-4D97-AF65-F5344CB8AC3E}">
-        <p14:creationId xmlns:p14="http://schemas.microsoft.com/office/powerpoint/2010/main" val="1713951773"/>
+        <p14:creationId xmlns:p14="http://schemas.microsoft.com/office/powerpoint/2010/main" val="385700934"/>
       </p:ext>
     </p:extLst>
   </p:cSld>
@@ -1493,7 +1493,7 @@
           <p:cNvPr id="2" name="标题 1">
             <a:extLst>
               <a:ext uri="{FF2B5EF4-FFF2-40B4-BE49-F238E27FC236}">
-                <a16:creationId xmlns:a16="http://schemas.microsoft.com/office/drawing/2014/main" id="{D2D8F4F8-6AC2-7761-9F4B-D814A80827F7}"/>
+                <a16:creationId xmlns:a16="http://schemas.microsoft.com/office/drawing/2014/main" id="{0F8D21DE-6EF3-0BD1-39B9-9DFFD288CCA5}"/>
               </a:ext>
             </a:extLst>
           </p:cNvPr>
@@ -1526,7 +1526,7 @@
           <p:cNvPr id="3" name="文本占位符 2">
             <a:extLst>
               <a:ext uri="{FF2B5EF4-FFF2-40B4-BE49-F238E27FC236}">
-                <a16:creationId xmlns:a16="http://schemas.microsoft.com/office/drawing/2014/main" id="{E49EF66E-26D1-7EC9-689A-A1110319005A}"/>
+                <a16:creationId xmlns:a16="http://schemas.microsoft.com/office/drawing/2014/main" id="{1EF29C47-D067-3901-E543-DF097AB92363}"/>
               </a:ext>
             </a:extLst>
           </p:cNvPr>
@@ -1597,7 +1597,7 @@
           <p:cNvPr id="4" name="内容占位符 3">
             <a:extLst>
               <a:ext uri="{FF2B5EF4-FFF2-40B4-BE49-F238E27FC236}">
-                <a16:creationId xmlns:a16="http://schemas.microsoft.com/office/drawing/2014/main" id="{4AB8C837-2DEA-D2F8-2C83-9D85BE47B441}"/>
+                <a16:creationId xmlns:a16="http://schemas.microsoft.com/office/drawing/2014/main" id="{7066B71E-C27B-4C61-96A3-4BD397C7EA18}"/>
               </a:ext>
             </a:extLst>
           </p:cNvPr>
@@ -1659,7 +1659,7 @@
           <p:cNvPr id="5" name="文本占位符 4">
             <a:extLst>
               <a:ext uri="{FF2B5EF4-FFF2-40B4-BE49-F238E27FC236}">
-                <a16:creationId xmlns:a16="http://schemas.microsoft.com/office/drawing/2014/main" id="{12C93FC7-C03A-E210-A37E-9B1834DF9D78}"/>
+                <a16:creationId xmlns:a16="http://schemas.microsoft.com/office/drawing/2014/main" id="{BF8C17EB-C4F2-917E-8EAE-616D135778E3}"/>
               </a:ext>
             </a:extLst>
           </p:cNvPr>
@@ -1730,7 +1730,7 @@
           <p:cNvPr id="6" name="内容占位符 5">
             <a:extLst>
               <a:ext uri="{FF2B5EF4-FFF2-40B4-BE49-F238E27FC236}">
-                <a16:creationId xmlns:a16="http://schemas.microsoft.com/office/drawing/2014/main" id="{0F3CA4BF-04E7-5C74-53B3-7AB05BB15D11}"/>
+                <a16:creationId xmlns:a16="http://schemas.microsoft.com/office/drawing/2014/main" id="{CEC3A7C9-15BD-0E28-2A7C-D378240C409B}"/>
               </a:ext>
             </a:extLst>
           </p:cNvPr>
@@ -1792,7 +1792,7 @@
           <p:cNvPr id="7" name="日期占位符 6">
             <a:extLst>
               <a:ext uri="{FF2B5EF4-FFF2-40B4-BE49-F238E27FC236}">
-                <a16:creationId xmlns:a16="http://schemas.microsoft.com/office/drawing/2014/main" id="{F81BFFEF-1B64-C638-4F66-AEA67F1C26B3}"/>
+                <a16:creationId xmlns:a16="http://schemas.microsoft.com/office/drawing/2014/main" id="{20F71EA2-BD60-24D6-655C-918EE60F6E48}"/>
               </a:ext>
             </a:extLst>
           </p:cNvPr>
@@ -1808,7 +1808,7 @@
           <a:bodyPr/>
           <a:lstStyle/>
           <a:p>
-            <a:fld id="{AB7FDC63-4B3E-46D9-8B64-23AD550770E6}" type="datetimeFigureOut">
+            <a:fld id="{AB34BB14-A9EB-42E7-89CF-EFB35C96FE90}" type="datetimeFigureOut">
               <a:rPr lang="zh-CN" altLang="en-US" smtClean="0"/>
               <a:t>2024/3/10</a:t>
             </a:fld>
@@ -1821,7 +1821,7 @@
           <p:cNvPr id="8" name="页脚占位符 7">
             <a:extLst>
               <a:ext uri="{FF2B5EF4-FFF2-40B4-BE49-F238E27FC236}">
-                <a16:creationId xmlns:a16="http://schemas.microsoft.com/office/drawing/2014/main" id="{49EB12C9-387A-678A-CE99-0C0724AD43A6}"/>
+                <a16:creationId xmlns:a16="http://schemas.microsoft.com/office/drawing/2014/main" id="{73D0DEFF-21A3-08E8-8C66-710C07E654F3}"/>
               </a:ext>
             </a:extLst>
           </p:cNvPr>
@@ -1846,7 +1846,7 @@
           <p:cNvPr id="9" name="灯片编号占位符 8">
             <a:extLst>
               <a:ext uri="{FF2B5EF4-FFF2-40B4-BE49-F238E27FC236}">
-                <a16:creationId xmlns:a16="http://schemas.microsoft.com/office/drawing/2014/main" id="{7C1B7F68-988B-2D17-A697-BE16839119F6}"/>
+                <a16:creationId xmlns:a16="http://schemas.microsoft.com/office/drawing/2014/main" id="{CAF404CF-60C8-7FF5-7844-26A01DFC10DE}"/>
               </a:ext>
             </a:extLst>
           </p:cNvPr>
@@ -1862,7 +1862,7 @@
           <a:bodyPr/>
           <a:lstStyle/>
           <a:p>
-            <a:fld id="{DF081105-9890-49C7-98CB-4BA131AAB258}" type="slidenum">
+            <a:fld id="{A0F6053C-DC3B-4637-A826-172BFA3ABFF7}" type="slidenum">
               <a:rPr lang="zh-CN" altLang="en-US" smtClean="0"/>
               <a:t>‹#›</a:t>
             </a:fld>
@@ -1873,7 +1873,7 @@
     </p:spTree>
     <p:extLst>
       <p:ext uri="{BB962C8B-B14F-4D97-AF65-F5344CB8AC3E}">
-        <p14:creationId xmlns:p14="http://schemas.microsoft.com/office/powerpoint/2010/main" val="1240176942"/>
+        <p14:creationId xmlns:p14="http://schemas.microsoft.com/office/powerpoint/2010/main" val="2906011200"/>
       </p:ext>
     </p:extLst>
   </p:cSld>
@@ -1905,7 +1905,7 @@
           <p:cNvPr id="2" name="标题 1">
             <a:extLst>
               <a:ext uri="{FF2B5EF4-FFF2-40B4-BE49-F238E27FC236}">
-                <a16:creationId xmlns:a16="http://schemas.microsoft.com/office/drawing/2014/main" id="{1E5E8C73-CEE3-BB64-0EB7-BF9DF758D11C}"/>
+                <a16:creationId xmlns:a16="http://schemas.microsoft.com/office/drawing/2014/main" id="{AE5980A9-5CE7-FDCB-5FF6-1CB2D27CF068}"/>
               </a:ext>
             </a:extLst>
           </p:cNvPr>
@@ -1933,7 +1933,7 @@
           <p:cNvPr id="3" name="日期占位符 2">
             <a:extLst>
               <a:ext uri="{FF2B5EF4-FFF2-40B4-BE49-F238E27FC236}">
-                <a16:creationId xmlns:a16="http://schemas.microsoft.com/office/drawing/2014/main" id="{24E8B7D7-FA95-0394-0A52-8CF22A00C9AA}"/>
+                <a16:creationId xmlns:a16="http://schemas.microsoft.com/office/drawing/2014/main" id="{5F50E763-5859-B849-74B1-5CF572ED5C85}"/>
               </a:ext>
             </a:extLst>
           </p:cNvPr>
@@ -1949,7 +1949,7 @@
           <a:bodyPr/>
           <a:lstStyle/>
           <a:p>
-            <a:fld id="{AB7FDC63-4B3E-46D9-8B64-23AD550770E6}" type="datetimeFigureOut">
+            <a:fld id="{AB34BB14-A9EB-42E7-89CF-EFB35C96FE90}" type="datetimeFigureOut">
               <a:rPr lang="zh-CN" altLang="en-US" smtClean="0"/>
               <a:t>2024/3/10</a:t>
             </a:fld>
@@ -1962,7 +1962,7 @@
           <p:cNvPr id="4" name="页脚占位符 3">
             <a:extLst>
               <a:ext uri="{FF2B5EF4-FFF2-40B4-BE49-F238E27FC236}">
-                <a16:creationId xmlns:a16="http://schemas.microsoft.com/office/drawing/2014/main" id="{5DAD2FE8-C5EC-053D-3A57-9717819F9BEE}"/>
+                <a16:creationId xmlns:a16="http://schemas.microsoft.com/office/drawing/2014/main" id="{FAFF9AC2-8784-7BFB-8196-94B16247A821}"/>
               </a:ext>
             </a:extLst>
           </p:cNvPr>
@@ -1987,7 +1987,7 @@
           <p:cNvPr id="5" name="灯片编号占位符 4">
             <a:extLst>
               <a:ext uri="{FF2B5EF4-FFF2-40B4-BE49-F238E27FC236}">
-                <a16:creationId xmlns:a16="http://schemas.microsoft.com/office/drawing/2014/main" id="{FC65D508-DCBF-407B-CB42-067C8443AD0F}"/>
+                <a16:creationId xmlns:a16="http://schemas.microsoft.com/office/drawing/2014/main" id="{F38097B1-8B2C-8330-081A-16D2109B9FDA}"/>
               </a:ext>
             </a:extLst>
           </p:cNvPr>
@@ -2003,7 +2003,7 @@
           <a:bodyPr/>
           <a:lstStyle/>
           <a:p>
-            <a:fld id="{DF081105-9890-49C7-98CB-4BA131AAB258}" type="slidenum">
+            <a:fld id="{A0F6053C-DC3B-4637-A826-172BFA3ABFF7}" type="slidenum">
               <a:rPr lang="zh-CN" altLang="en-US" smtClean="0"/>
               <a:t>‹#›</a:t>
             </a:fld>
@@ -2014,7 +2014,7 @@
     </p:spTree>
     <p:extLst>
       <p:ext uri="{BB962C8B-B14F-4D97-AF65-F5344CB8AC3E}">
-        <p14:creationId xmlns:p14="http://schemas.microsoft.com/office/powerpoint/2010/main" val="237912663"/>
+        <p14:creationId xmlns:p14="http://schemas.microsoft.com/office/powerpoint/2010/main" val="2256312468"/>
       </p:ext>
     </p:extLst>
   </p:cSld>
@@ -2046,7 +2046,7 @@
           <p:cNvPr id="2" name="日期占位符 1">
             <a:extLst>
               <a:ext uri="{FF2B5EF4-FFF2-40B4-BE49-F238E27FC236}">
-                <a16:creationId xmlns:a16="http://schemas.microsoft.com/office/drawing/2014/main" id="{AFB9284F-A80A-D348-D044-B46B36650376}"/>
+                <a16:creationId xmlns:a16="http://schemas.microsoft.com/office/drawing/2014/main" id="{44358D6F-AA1A-7166-F99E-D185A1AEFEAC}"/>
               </a:ext>
             </a:extLst>
           </p:cNvPr>
@@ -2062,7 +2062,7 @@
           <a:bodyPr/>
           <a:lstStyle/>
           <a:p>
-            <a:fld id="{AB7FDC63-4B3E-46D9-8B64-23AD550770E6}" type="datetimeFigureOut">
+            <a:fld id="{AB34BB14-A9EB-42E7-89CF-EFB35C96FE90}" type="datetimeFigureOut">
               <a:rPr lang="zh-CN" altLang="en-US" smtClean="0"/>
               <a:t>2024/3/10</a:t>
             </a:fld>
@@ -2075,7 +2075,7 @@
           <p:cNvPr id="3" name="页脚占位符 2">
             <a:extLst>
               <a:ext uri="{FF2B5EF4-FFF2-40B4-BE49-F238E27FC236}">
-                <a16:creationId xmlns:a16="http://schemas.microsoft.com/office/drawing/2014/main" id="{AF67C254-61EC-8DBD-BB6D-73A9FFB166FA}"/>
+                <a16:creationId xmlns:a16="http://schemas.microsoft.com/office/drawing/2014/main" id="{E5FA9ED2-53C1-8EED-62B0-0684D35FB03E}"/>
               </a:ext>
             </a:extLst>
           </p:cNvPr>
@@ -2100,7 +2100,7 @@
           <p:cNvPr id="4" name="灯片编号占位符 3">
             <a:extLst>
               <a:ext uri="{FF2B5EF4-FFF2-40B4-BE49-F238E27FC236}">
-                <a16:creationId xmlns:a16="http://schemas.microsoft.com/office/drawing/2014/main" id="{17C67124-BE25-6507-EC43-B46714DB4243}"/>
+                <a16:creationId xmlns:a16="http://schemas.microsoft.com/office/drawing/2014/main" id="{FC91844F-2EDD-D5AD-B75A-1D7EE7617452}"/>
               </a:ext>
             </a:extLst>
           </p:cNvPr>
@@ -2116,7 +2116,7 @@
           <a:bodyPr/>
           <a:lstStyle/>
           <a:p>
-            <a:fld id="{DF081105-9890-49C7-98CB-4BA131AAB258}" type="slidenum">
+            <a:fld id="{A0F6053C-DC3B-4637-A826-172BFA3ABFF7}" type="slidenum">
               <a:rPr lang="zh-CN" altLang="en-US" smtClean="0"/>
               <a:t>‹#›</a:t>
             </a:fld>
@@ -2127,7 +2127,7 @@
     </p:spTree>
     <p:extLst>
       <p:ext uri="{BB962C8B-B14F-4D97-AF65-F5344CB8AC3E}">
-        <p14:creationId xmlns:p14="http://schemas.microsoft.com/office/powerpoint/2010/main" val="2586845123"/>
+        <p14:creationId xmlns:p14="http://schemas.microsoft.com/office/powerpoint/2010/main" val="3259935494"/>
       </p:ext>
     </p:extLst>
   </p:cSld>
@@ -2159,7 +2159,7 @@
           <p:cNvPr id="2" name="标题 1">
             <a:extLst>
               <a:ext uri="{FF2B5EF4-FFF2-40B4-BE49-F238E27FC236}">
-                <a16:creationId xmlns:a16="http://schemas.microsoft.com/office/drawing/2014/main" id="{50C3E243-230F-8243-9FA2-D1273B0C8536}"/>
+                <a16:creationId xmlns:a16="http://schemas.microsoft.com/office/drawing/2014/main" id="{EDBD9C45-B182-4501-90BC-01D0C247B603}"/>
               </a:ext>
             </a:extLst>
           </p:cNvPr>
@@ -2196,7 +2196,7 @@
           <p:cNvPr id="3" name="内容占位符 2">
             <a:extLst>
               <a:ext uri="{FF2B5EF4-FFF2-40B4-BE49-F238E27FC236}">
-                <a16:creationId xmlns:a16="http://schemas.microsoft.com/office/drawing/2014/main" id="{441898AD-F2E8-649E-40DE-64D4C8A19185}"/>
+                <a16:creationId xmlns:a16="http://schemas.microsoft.com/office/drawing/2014/main" id="{F1A523D1-3D65-D3B8-AD73-4B9254E22BCF}"/>
               </a:ext>
             </a:extLst>
           </p:cNvPr>
@@ -2286,7 +2286,7 @@
           <p:cNvPr id="4" name="文本占位符 3">
             <a:extLst>
               <a:ext uri="{FF2B5EF4-FFF2-40B4-BE49-F238E27FC236}">
-                <a16:creationId xmlns:a16="http://schemas.microsoft.com/office/drawing/2014/main" id="{4AF48AB9-90E1-1236-BA81-4D158B16F6B8}"/>
+                <a16:creationId xmlns:a16="http://schemas.microsoft.com/office/drawing/2014/main" id="{735560D8-4CD2-03DE-DB01-D4D705715417}"/>
               </a:ext>
             </a:extLst>
           </p:cNvPr>
@@ -2357,7 +2357,7 @@
           <p:cNvPr id="5" name="日期占位符 4">
             <a:extLst>
               <a:ext uri="{FF2B5EF4-FFF2-40B4-BE49-F238E27FC236}">
-                <a16:creationId xmlns:a16="http://schemas.microsoft.com/office/drawing/2014/main" id="{4AA8E728-1087-BC7D-6678-C7DF7300BCD7}"/>
+                <a16:creationId xmlns:a16="http://schemas.microsoft.com/office/drawing/2014/main" id="{BB5FA0C5-F186-E9F0-0CB8-C869103C4619}"/>
               </a:ext>
             </a:extLst>
           </p:cNvPr>
@@ -2373,7 +2373,7 @@
           <a:bodyPr/>
           <a:lstStyle/>
           <a:p>
-            <a:fld id="{AB7FDC63-4B3E-46D9-8B64-23AD550770E6}" type="datetimeFigureOut">
+            <a:fld id="{AB34BB14-A9EB-42E7-89CF-EFB35C96FE90}" type="datetimeFigureOut">
               <a:rPr lang="zh-CN" altLang="en-US" smtClean="0"/>
               <a:t>2024/3/10</a:t>
             </a:fld>
@@ -2386,7 +2386,7 @@
           <p:cNvPr id="6" name="页脚占位符 5">
             <a:extLst>
               <a:ext uri="{FF2B5EF4-FFF2-40B4-BE49-F238E27FC236}">
-                <a16:creationId xmlns:a16="http://schemas.microsoft.com/office/drawing/2014/main" id="{FCFCB1DA-6D02-4AC7-8002-6896CC071439}"/>
+                <a16:creationId xmlns:a16="http://schemas.microsoft.com/office/drawing/2014/main" id="{C7809C28-B49A-A794-3D6B-DC41C814F5F0}"/>
               </a:ext>
             </a:extLst>
           </p:cNvPr>
@@ -2411,7 +2411,7 @@
           <p:cNvPr id="7" name="灯片编号占位符 6">
             <a:extLst>
               <a:ext uri="{FF2B5EF4-FFF2-40B4-BE49-F238E27FC236}">
-                <a16:creationId xmlns:a16="http://schemas.microsoft.com/office/drawing/2014/main" id="{68A6898B-EC75-F27D-08AE-D31EF984ECC8}"/>
+                <a16:creationId xmlns:a16="http://schemas.microsoft.com/office/drawing/2014/main" id="{033B1E64-3F1D-2E60-AEA2-3E3AF81A04D8}"/>
               </a:ext>
             </a:extLst>
           </p:cNvPr>
@@ -2427,7 +2427,7 @@
           <a:bodyPr/>
           <a:lstStyle/>
           <a:p>
-            <a:fld id="{DF081105-9890-49C7-98CB-4BA131AAB258}" type="slidenum">
+            <a:fld id="{A0F6053C-DC3B-4637-A826-172BFA3ABFF7}" type="slidenum">
               <a:rPr lang="zh-CN" altLang="en-US" smtClean="0"/>
               <a:t>‹#›</a:t>
             </a:fld>
@@ -2438,7 +2438,7 @@
     </p:spTree>
     <p:extLst>
       <p:ext uri="{BB962C8B-B14F-4D97-AF65-F5344CB8AC3E}">
-        <p14:creationId xmlns:p14="http://schemas.microsoft.com/office/powerpoint/2010/main" val="87433760"/>
+        <p14:creationId xmlns:p14="http://schemas.microsoft.com/office/powerpoint/2010/main" val="409931742"/>
       </p:ext>
     </p:extLst>
   </p:cSld>
@@ -2470,7 +2470,7 @@
           <p:cNvPr id="2" name="标题 1">
             <a:extLst>
               <a:ext uri="{FF2B5EF4-FFF2-40B4-BE49-F238E27FC236}">
-                <a16:creationId xmlns:a16="http://schemas.microsoft.com/office/drawing/2014/main" id="{6F1B5581-C2A2-D761-70E8-D67B07A52ECE}"/>
+                <a16:creationId xmlns:a16="http://schemas.microsoft.com/office/drawing/2014/main" id="{62D5268E-EA53-5B6A-ABFF-AC4C9AFD3F47}"/>
               </a:ext>
             </a:extLst>
           </p:cNvPr>
@@ -2507,7 +2507,7 @@
           <p:cNvPr id="3" name="图片占位符 2">
             <a:extLst>
               <a:ext uri="{FF2B5EF4-FFF2-40B4-BE49-F238E27FC236}">
-                <a16:creationId xmlns:a16="http://schemas.microsoft.com/office/drawing/2014/main" id="{43025F87-09E9-8FA6-CB96-C3BB319E719D}"/>
+                <a16:creationId xmlns:a16="http://schemas.microsoft.com/office/drawing/2014/main" id="{98C70159-C1D2-16D3-626A-EBF6FDE31CF7}"/>
               </a:ext>
             </a:extLst>
           </p:cNvPr>
@@ -2574,7 +2574,7 @@
           <p:cNvPr id="4" name="文本占位符 3">
             <a:extLst>
               <a:ext uri="{FF2B5EF4-FFF2-40B4-BE49-F238E27FC236}">
-                <a16:creationId xmlns:a16="http://schemas.microsoft.com/office/drawing/2014/main" id="{74EF7AAD-B8EE-0E72-BF38-6EF680FB2FCB}"/>
+                <a16:creationId xmlns:a16="http://schemas.microsoft.com/office/drawing/2014/main" id="{29D14640-47E1-5247-E10B-3D054563B8FE}"/>
               </a:ext>
             </a:extLst>
           </p:cNvPr>
@@ -2645,7 +2645,7 @@
           <p:cNvPr id="5" name="日期占位符 4">
             <a:extLst>
               <a:ext uri="{FF2B5EF4-FFF2-40B4-BE49-F238E27FC236}">
-                <a16:creationId xmlns:a16="http://schemas.microsoft.com/office/drawing/2014/main" id="{ECEF5EDF-D33D-E4B4-5F56-5F73B52E2B28}"/>
+                <a16:creationId xmlns:a16="http://schemas.microsoft.com/office/drawing/2014/main" id="{B52C7FAA-AF18-D6DC-9B13-B58F4F670E99}"/>
               </a:ext>
             </a:extLst>
           </p:cNvPr>
@@ -2661,7 +2661,7 @@
           <a:bodyPr/>
           <a:lstStyle/>
           <a:p>
-            <a:fld id="{AB7FDC63-4B3E-46D9-8B64-23AD550770E6}" type="datetimeFigureOut">
+            <a:fld id="{AB34BB14-A9EB-42E7-89CF-EFB35C96FE90}" type="datetimeFigureOut">
               <a:rPr lang="zh-CN" altLang="en-US" smtClean="0"/>
               <a:t>2024/3/10</a:t>
             </a:fld>
@@ -2674,7 +2674,7 @@
           <p:cNvPr id="6" name="页脚占位符 5">
             <a:extLst>
               <a:ext uri="{FF2B5EF4-FFF2-40B4-BE49-F238E27FC236}">
-                <a16:creationId xmlns:a16="http://schemas.microsoft.com/office/drawing/2014/main" id="{639FCAD2-AEFF-9FD0-C238-E65AAB9C9968}"/>
+                <a16:creationId xmlns:a16="http://schemas.microsoft.com/office/drawing/2014/main" id="{00360340-27C2-E651-9981-4276758ABF67}"/>
               </a:ext>
             </a:extLst>
           </p:cNvPr>
@@ -2699,7 +2699,7 @@
           <p:cNvPr id="7" name="灯片编号占位符 6">
             <a:extLst>
               <a:ext uri="{FF2B5EF4-FFF2-40B4-BE49-F238E27FC236}">
-                <a16:creationId xmlns:a16="http://schemas.microsoft.com/office/drawing/2014/main" id="{53E61FDC-EF56-B56B-5320-8B275CC6DBE7}"/>
+                <a16:creationId xmlns:a16="http://schemas.microsoft.com/office/drawing/2014/main" id="{30D3FBEE-83CB-F594-308A-B78A374EAF66}"/>
               </a:ext>
             </a:extLst>
           </p:cNvPr>
@@ -2715,7 +2715,7 @@
           <a:bodyPr/>
           <a:lstStyle/>
           <a:p>
-            <a:fld id="{DF081105-9890-49C7-98CB-4BA131AAB258}" type="slidenum">
+            <a:fld id="{A0F6053C-DC3B-4637-A826-172BFA3ABFF7}" type="slidenum">
               <a:rPr lang="zh-CN" altLang="en-US" smtClean="0"/>
               <a:t>‹#›</a:t>
             </a:fld>
@@ -2726,7 +2726,7 @@
     </p:spTree>
     <p:extLst>
       <p:ext uri="{BB962C8B-B14F-4D97-AF65-F5344CB8AC3E}">
-        <p14:creationId xmlns:p14="http://schemas.microsoft.com/office/powerpoint/2010/main" val="2442465878"/>
+        <p14:creationId xmlns:p14="http://schemas.microsoft.com/office/powerpoint/2010/main" val="3858364755"/>
       </p:ext>
     </p:extLst>
   </p:cSld>
@@ -2763,7 +2763,7 @@
           <p:cNvPr id="2" name="标题占位符 1">
             <a:extLst>
               <a:ext uri="{FF2B5EF4-FFF2-40B4-BE49-F238E27FC236}">
-                <a16:creationId xmlns:a16="http://schemas.microsoft.com/office/drawing/2014/main" id="{69C7DB35-83D0-964A-0A6E-FD6678F1E5DD}"/>
+                <a16:creationId xmlns:a16="http://schemas.microsoft.com/office/drawing/2014/main" id="{49D66292-DE41-FDBF-AD7E-B0B864FDC472}"/>
               </a:ext>
             </a:extLst>
           </p:cNvPr>
@@ -2801,7 +2801,7 @@
           <p:cNvPr id="3" name="文本占位符 2">
             <a:extLst>
               <a:ext uri="{FF2B5EF4-FFF2-40B4-BE49-F238E27FC236}">
-                <a16:creationId xmlns:a16="http://schemas.microsoft.com/office/drawing/2014/main" id="{71980E9E-E5F2-422E-CEA9-584462FC365D}"/>
+                <a16:creationId xmlns:a16="http://schemas.microsoft.com/office/drawing/2014/main" id="{A8B053CA-6C28-19E2-8CFD-85CF12F793D8}"/>
               </a:ext>
             </a:extLst>
           </p:cNvPr>
@@ -2868,7 +2868,7 @@
           <p:cNvPr id="4" name="日期占位符 3">
             <a:extLst>
               <a:ext uri="{FF2B5EF4-FFF2-40B4-BE49-F238E27FC236}">
-                <a16:creationId xmlns:a16="http://schemas.microsoft.com/office/drawing/2014/main" id="{C1B418AA-D7F4-BE93-7798-3068737F9126}"/>
+                <a16:creationId xmlns:a16="http://schemas.microsoft.com/office/drawing/2014/main" id="{4E2956CF-03A0-E570-E5C4-A9E3C38450AA}"/>
               </a:ext>
             </a:extLst>
           </p:cNvPr>
@@ -2902,7 +2902,7 @@
             </a:lvl1pPr>
           </a:lstStyle>
           <a:p>
-            <a:fld id="{AB7FDC63-4B3E-46D9-8B64-23AD550770E6}" type="datetimeFigureOut">
+            <a:fld id="{AB34BB14-A9EB-42E7-89CF-EFB35C96FE90}" type="datetimeFigureOut">
               <a:rPr lang="zh-CN" altLang="en-US" smtClean="0"/>
               <a:t>2024/3/10</a:t>
             </a:fld>
@@ -2915,7 +2915,7 @@
           <p:cNvPr id="5" name="页脚占位符 4">
             <a:extLst>
               <a:ext uri="{FF2B5EF4-FFF2-40B4-BE49-F238E27FC236}">
-                <a16:creationId xmlns:a16="http://schemas.microsoft.com/office/drawing/2014/main" id="{70C6C71A-B2DC-4563-A907-D74597DBB2DE}"/>
+                <a16:creationId xmlns:a16="http://schemas.microsoft.com/office/drawing/2014/main" id="{0132FE02-3097-A983-2EDE-E411E9D1E738}"/>
               </a:ext>
             </a:extLst>
           </p:cNvPr>
@@ -2958,7 +2958,7 @@
           <p:cNvPr id="6" name="灯片编号占位符 5">
             <a:extLst>
               <a:ext uri="{FF2B5EF4-FFF2-40B4-BE49-F238E27FC236}">
-                <a16:creationId xmlns:a16="http://schemas.microsoft.com/office/drawing/2014/main" id="{2A7AB38D-7458-9CEE-3EC7-5B48B52198BE}"/>
+                <a16:creationId xmlns:a16="http://schemas.microsoft.com/office/drawing/2014/main" id="{15FD2D46-89DE-CB07-9BEC-DDB7C6F128AF}"/>
               </a:ext>
             </a:extLst>
           </p:cNvPr>
@@ -2992,7 +2992,7 @@
             </a:lvl1pPr>
           </a:lstStyle>
           <a:p>
-            <a:fld id="{DF081105-9890-49C7-98CB-4BA131AAB258}" type="slidenum">
+            <a:fld id="{A0F6053C-DC3B-4637-A826-172BFA3ABFF7}" type="slidenum">
               <a:rPr lang="zh-CN" altLang="en-US" smtClean="0"/>
               <a:t>‹#›</a:t>
             </a:fld>
@@ -3003,7 +3003,7 @@
     </p:spTree>
     <p:extLst>
       <p:ext uri="{BB962C8B-B14F-4D97-AF65-F5344CB8AC3E}">
-        <p14:creationId xmlns:p14="http://schemas.microsoft.com/office/powerpoint/2010/main" val="2939837591"/>
+        <p14:creationId xmlns:p14="http://schemas.microsoft.com/office/powerpoint/2010/main" val="1469616777"/>
       </p:ext>
     </p:extLst>
   </p:cSld>
